--- a/doc/01_勉強会/01_勉強会資料/20180919_勉強会/02.資料/01_登録機能.pptx
+++ b/doc/01_勉強会/01_勉強会資料/20180919_勉強会/02.資料/01_登録機能.pptx
@@ -5,15 +5,13 @@
     <p:sldMasterId id="2147483648" r:id="rId1"/>
   </p:sldMasterIdLst>
   <p:notesMasterIdLst>
-    <p:notesMasterId r:id="rId8"/>
+    <p:notesMasterId r:id="rId6"/>
   </p:notesMasterIdLst>
   <p:sldIdLst>
     <p:sldId id="256" r:id="rId2"/>
     <p:sldId id="259" r:id="rId3"/>
     <p:sldId id="258" r:id="rId4"/>
-    <p:sldId id="270" r:id="rId5"/>
-    <p:sldId id="271" r:id="rId6"/>
-    <p:sldId id="257" r:id="rId7"/>
+    <p:sldId id="257" r:id="rId5"/>
   </p:sldIdLst>
   <p:sldSz cx="12192000" cy="6858000"/>
   <p:notesSz cx="6858000" cy="9144000"/>
@@ -214,7 +212,7 @@
             <a:fld id="{AC8271B8-372B-448B-A34F-50045A9CAFEA}" type="datetimeFigureOut">
               <a:rPr kumimoji="1" lang="ja-JP" altLang="en-US" smtClean="0"/>
               <a:pPr/>
-              <a:t>2018/9/18</a:t>
+              <a:t>2018/9/19</a:t>
             </a:fld>
             <a:endParaRPr kumimoji="1" lang="ja-JP" altLang="en-US"/>
           </a:p>
@@ -781,7 +779,7 @@
             <a:fld id="{2FA7D4A1-D6E2-4B97-8DF5-43A2A6E9364B}" type="datetimeFigureOut">
               <a:rPr kumimoji="1" lang="ja-JP" altLang="en-US" smtClean="0"/>
               <a:pPr/>
-              <a:t>2018/9/18</a:t>
+              <a:t>2018/9/19</a:t>
             </a:fld>
             <a:endParaRPr kumimoji="1" lang="ja-JP" altLang="en-US"/>
           </a:p>
@@ -1250,7 +1248,7 @@
             <a:fld id="{2FA7D4A1-D6E2-4B97-8DF5-43A2A6E9364B}" type="datetimeFigureOut">
               <a:rPr kumimoji="1" lang="ja-JP" altLang="en-US" smtClean="0"/>
               <a:pPr/>
-              <a:t>2018/9/18</a:t>
+              <a:t>2018/9/19</a:t>
             </a:fld>
             <a:endParaRPr kumimoji="1" lang="ja-JP" altLang="en-US"/>
           </a:p>
@@ -1692,7 +1690,7 @@
             <a:fld id="{2FA7D4A1-D6E2-4B97-8DF5-43A2A6E9364B}" type="datetimeFigureOut">
               <a:rPr kumimoji="1" lang="ja-JP" altLang="en-US" smtClean="0"/>
               <a:pPr/>
-              <a:t>2018/9/18</a:t>
+              <a:t>2018/9/19</a:t>
             </a:fld>
             <a:endParaRPr kumimoji="1" lang="ja-JP" altLang="en-US"/>
           </a:p>
@@ -1819,7 +1817,7 @@
             <a:fld id="{2FA7D4A1-D6E2-4B97-8DF5-43A2A6E9364B}" type="datetimeFigureOut">
               <a:rPr kumimoji="1" lang="ja-JP" altLang="en-US" smtClean="0"/>
               <a:pPr/>
-              <a:t>2018/9/18</a:t>
+              <a:t>2018/9/19</a:t>
             </a:fld>
             <a:endParaRPr kumimoji="1" lang="ja-JP" altLang="en-US"/>
           </a:p>
@@ -2053,7 +2051,7 @@
             <a:fld id="{2FA7D4A1-D6E2-4B97-8DF5-43A2A6E9364B}" type="datetimeFigureOut">
               <a:rPr kumimoji="1" lang="ja-JP" altLang="en-US" smtClean="0"/>
               <a:pPr/>
-              <a:t>2018/9/18</a:t>
+              <a:t>2018/9/19</a:t>
             </a:fld>
             <a:endParaRPr kumimoji="1" lang="ja-JP" altLang="en-US"/>
           </a:p>
@@ -2433,7 +2431,7 @@
             <a:fld id="{2FA7D4A1-D6E2-4B97-8DF5-43A2A6E9364B}" type="datetimeFigureOut">
               <a:rPr kumimoji="1" lang="ja-JP" altLang="en-US" smtClean="0"/>
               <a:pPr/>
-              <a:t>2018/9/18</a:t>
+              <a:t>2018/9/19</a:t>
             </a:fld>
             <a:endParaRPr kumimoji="1" lang="ja-JP" altLang="en-US"/>
           </a:p>
@@ -2921,11 +2919,7 @@
             </a:r>
             <a:r>
               <a:rPr lang="en-US" altLang="ja-JP" dirty="0" smtClean="0"/>
-              <a:t>【</a:t>
-            </a:r>
-            <a:r>
-              <a:rPr lang="en-US" altLang="ja-JP" dirty="0" smtClean="0"/>
-              <a:t>2018/9/19】</a:t>
+              <a:t>【2018/9/19】</a:t>
             </a:r>
             <a:r>
               <a:rPr lang="ja-JP" altLang="en-US" dirty="0" smtClean="0"/>
@@ -2937,11 +2931,7 @@
             </a:r>
             <a:r>
               <a:rPr lang="ja-JP" altLang="en-US" dirty="0" smtClean="0"/>
-              <a:t>回</a:t>
-            </a:r>
-            <a:r>
-              <a:rPr lang="ja-JP" altLang="en-US" dirty="0" smtClean="0"/>
-              <a:t>勉強会プレゼン資料～</a:t>
+              <a:t>回勉強会プレゼン資料～</a:t>
             </a:r>
           </a:p>
         </p:txBody>
@@ -2968,7 +2958,7 @@
           </a:ln>
           <a:extLst>
             <a:ext uri="{C572A759-6A51-4108-AA02-DFA0A04FC94B}">
-              <ma14:wrappingTextBoxFlag xmlns="" xmlns:ma14="http://schemas.microsoft.com/office/mac/drawingml/2011/main" val="1"/>
+              <ma14:wrappingTextBoxFlag xmlns:ma14="http://schemas.microsoft.com/office/mac/drawingml/2011/main" xmlns="" val="1"/>
             </a:ext>
           </a:extLst>
         </p:spPr>
@@ -3195,15 +3185,20 @@
       </p:sp>
       <p:sp>
         <p:nvSpPr>
-          <p:cNvPr id="6" name="コンテンツ プレースホルダー 5"/>
-          <p:cNvSpPr>
-            <a:spLocks noGrp="1"/>
-          </p:cNvSpPr>
-          <p:nvPr>
-            <p:ph idx="1"/>
-          </p:nvPr>
-        </p:nvSpPr>
-        <p:spPr/>
+          <p:cNvPr id="4" name="コンテンツ プレースホルダ 5"/>
+          <p:cNvSpPr>
+            <a:spLocks noGrp="1"/>
+          </p:cNvSpPr>
+          <p:nvPr>
+            <p:ph sz="quarter" idx="13"/>
+          </p:nvPr>
+        </p:nvSpPr>
+        <p:spPr>
+          <a:xfrm>
+            <a:off x="431799" y="1054100"/>
+            <a:ext cx="11379201" cy="800099"/>
+          </a:xfrm>
+        </p:spPr>
         <p:txBody>
           <a:bodyPr/>
           <a:lstStyle/>
@@ -3212,18 +3207,16 @@
               <a:buNone/>
             </a:pPr>
             <a:r>
+              <a:rPr kumimoji="1" lang="en-US" altLang="ja-JP" dirty="0" smtClean="0"/>
+              <a:t>DB</a:t>
+            </a:r>
+            <a:r>
               <a:rPr kumimoji="1" lang="ja-JP" altLang="en-US" dirty="0" smtClean="0"/>
-              <a:t>・結論</a:t>
-            </a:r>
-            <a:endParaRPr kumimoji="1" lang="en-US" altLang="ja-JP" dirty="0" smtClean="0"/>
-          </a:p>
-          <a:p>
-            <a:pPr marL="0" indent="0">
-              <a:buNone/>
-            </a:pPr>
-            <a:r>
-              <a:rPr lang="ja-JP" altLang="en-US" dirty="0"/>
-              <a:t>　</a:t>
+              <a:t>は、</a:t>
+            </a:r>
+            <a:r>
+              <a:rPr lang="ja-JP" altLang="en-US" dirty="0" smtClean="0"/>
+              <a:t>「</a:t>
             </a:r>
             <a:r>
               <a:rPr lang="en-US" altLang="ja-JP" dirty="0" err="1" smtClean="0"/>
@@ -3231,77 +3224,180 @@
             </a:r>
             <a:r>
               <a:rPr lang="ja-JP" altLang="en-US" dirty="0" smtClean="0"/>
-              <a:t>を採用</a:t>
-            </a:r>
-            <a:endParaRPr lang="en-US" altLang="ja-JP" dirty="0" smtClean="0"/>
-          </a:p>
-          <a:p>
-            <a:pPr marL="0" indent="0">
-              <a:buNone/>
-            </a:pPr>
-            <a:endParaRPr kumimoji="1" lang="en-US" altLang="ja-JP" dirty="0"/>
-          </a:p>
-          <a:p>
-            <a:pPr marL="0" indent="0">
-              <a:buNone/>
-            </a:pPr>
+              <a:t>」のモジュールを使用して構築する。</a:t>
+            </a:r>
+            <a:endParaRPr kumimoji="1" lang="en-US" altLang="ja-JP" dirty="0" smtClean="0"/>
+          </a:p>
+        </p:txBody>
+      </p:sp>
+      <p:graphicFrame>
+        <p:nvGraphicFramePr>
+          <p:cNvPr id="10" name="表 9"/>
+          <p:cNvGraphicFramePr>
+            <a:graphicFrameLocks noGrp="1"/>
+          </p:cNvGraphicFramePr>
+          <p:nvPr>
+            <p:extLst>
+              <p:ext uri="{D42A27DB-BD31-4B8C-83A1-F6EECF244321}">
+                <p14:modId xmlns:p14="http://schemas.microsoft.com/office/powerpoint/2010/main" val="2410996813"/>
+              </p:ext>
+            </p:extLst>
+          </p:nvPr>
+        </p:nvGraphicFramePr>
+        <p:xfrm>
+          <a:off x="789743" y="2316480"/>
+          <a:ext cx="4720492" cy="1112520"/>
+        </p:xfrm>
+        <a:graphic>
+          <a:graphicData uri="http://schemas.openxmlformats.org/drawingml/2006/table">
+            <a:tbl>
+              <a:tblPr firstRow="1" bandRow="1">
+                <a:tableStyleId>{5C22544A-7EE6-4342-B048-85BDC9FD1C3A}</a:tableStyleId>
+              </a:tblPr>
+              <a:tblGrid>
+                <a:gridCol w="837809"/>
+                <a:gridCol w="3882683"/>
+              </a:tblGrid>
+              <a:tr h="370840">
+                <a:tc>
+                  <a:txBody>
+                    <a:bodyPr/>
+                    <a:lstStyle/>
+                    <a:p>
+                      <a:r>
+                        <a:rPr kumimoji="1" lang="en-US" altLang="ja-JP" dirty="0" smtClean="0"/>
+                        <a:t>No</a:t>
+                      </a:r>
+                    </a:p>
+                  </a:txBody>
+                  <a:tcPr/>
+                </a:tc>
+                <a:tc>
+                  <a:txBody>
+                    <a:bodyPr/>
+                    <a:lstStyle/>
+                    <a:p>
+                      <a:r>
+                        <a:rPr kumimoji="1" lang="ja-JP" altLang="en-US" dirty="0" smtClean="0"/>
+                        <a:t>特徴</a:t>
+                      </a:r>
+                      <a:endParaRPr kumimoji="1" lang="ja-JP" altLang="en-US" dirty="0"/>
+                    </a:p>
+                  </a:txBody>
+                  <a:tcPr/>
+                </a:tc>
+              </a:tr>
+              <a:tr h="370840">
+                <a:tc>
+                  <a:txBody>
+                    <a:bodyPr/>
+                    <a:lstStyle/>
+                    <a:p>
+                      <a:r>
+                        <a:rPr kumimoji="1" lang="en-US" altLang="ja-JP" dirty="0" smtClean="0"/>
+                        <a:t>1</a:t>
+                      </a:r>
+                      <a:endParaRPr kumimoji="1" lang="ja-JP" altLang="en-US" dirty="0"/>
+                    </a:p>
+                  </a:txBody>
+                  <a:tcPr/>
+                </a:tc>
+                <a:tc>
+                  <a:txBody>
+                    <a:bodyPr/>
+                    <a:lstStyle/>
+                    <a:p>
+                      <a:r>
+                        <a:rPr kumimoji="1" lang="en-US" altLang="ja-JP" dirty="0" smtClean="0"/>
+                        <a:t>NoSQL</a:t>
+                      </a:r>
+                      <a:endParaRPr kumimoji="1" lang="ja-JP" altLang="en-US" dirty="0"/>
+                    </a:p>
+                  </a:txBody>
+                  <a:tcPr/>
+                </a:tc>
+              </a:tr>
+              <a:tr h="370840">
+                <a:tc>
+                  <a:txBody>
+                    <a:bodyPr/>
+                    <a:lstStyle/>
+                    <a:p>
+                      <a:r>
+                        <a:rPr kumimoji="1" lang="en-US" altLang="ja-JP" dirty="0" smtClean="0"/>
+                        <a:t>2</a:t>
+                      </a:r>
+                      <a:endParaRPr kumimoji="1" lang="ja-JP" altLang="en-US" dirty="0"/>
+                    </a:p>
+                  </a:txBody>
+                  <a:tcPr/>
+                </a:tc>
+                <a:tc>
+                  <a:txBody>
+                    <a:bodyPr/>
+                    <a:lstStyle/>
+                    <a:p>
+                      <a:r>
+                        <a:rPr kumimoji="1" lang="ja-JP" altLang="en-US" dirty="0" smtClean="0"/>
+                        <a:t>ファイルでデータを管理</a:t>
+                      </a:r>
+                      <a:endParaRPr kumimoji="1" lang="ja-JP" altLang="en-US" dirty="0"/>
+                    </a:p>
+                  </a:txBody>
+                  <a:tcPr/>
+                </a:tc>
+              </a:tr>
+            </a:tbl>
+          </a:graphicData>
+        </a:graphic>
+      </p:graphicFrame>
+      <p:sp>
+        <p:nvSpPr>
+          <p:cNvPr id="11" name="正方形/長方形 10"/>
+          <p:cNvSpPr/>
+          <p:nvPr/>
+        </p:nvSpPr>
+        <p:spPr>
+          <a:xfrm>
+            <a:off x="1402469" y="4600135"/>
+            <a:ext cx="8215532" cy="1012874"/>
+          </a:xfrm>
+          <a:prstGeom prst="rect">
+            <a:avLst/>
+          </a:prstGeom>
+        </p:spPr>
+        <p:style>
+          <a:lnRef idx="2">
+            <a:schemeClr val="accent6"/>
+          </a:lnRef>
+          <a:fillRef idx="1">
+            <a:schemeClr val="lt1"/>
+          </a:fillRef>
+          <a:effectRef idx="0">
+            <a:schemeClr val="accent6"/>
+          </a:effectRef>
+          <a:fontRef idx="minor">
+            <a:schemeClr val="dk1"/>
+          </a:fontRef>
+        </p:style>
+        <p:txBody>
+          <a:bodyPr rtlCol="0" anchor="ctr"/>
+          <a:lstStyle/>
+          <a:p>
+            <a:pPr algn="ctr"/>
+            <a:r>
+              <a:rPr kumimoji="1" lang="ja-JP" altLang="en-US" dirty="0" smtClean="0"/>
+              <a:t>検索チームへの影響大</a:t>
+            </a:r>
+            <a:endParaRPr kumimoji="1" lang="en-US" altLang="ja-JP" dirty="0" smtClean="0"/>
+          </a:p>
+          <a:p>
+            <a:pPr algn="ctr"/>
             <a:r>
               <a:rPr lang="ja-JP" altLang="en-US" dirty="0" smtClean="0"/>
-              <a:t>・タスク</a:t>
-            </a:r>
-            <a:endParaRPr lang="en-US" altLang="ja-JP" dirty="0" smtClean="0"/>
-          </a:p>
-          <a:p>
-            <a:pPr marL="0" indent="0">
-              <a:buNone/>
-            </a:pPr>
-            <a:r>
-              <a:rPr kumimoji="1" lang="ja-JP" altLang="en-US" dirty="0"/>
-              <a:t>　</a:t>
-            </a:r>
-            <a:r>
-              <a:rPr lang="ja-JP" altLang="en-US" dirty="0" smtClean="0"/>
-              <a:t>完了</a:t>
-            </a:r>
-            <a:endParaRPr lang="en-US" altLang="ja-JP" dirty="0" smtClean="0"/>
-          </a:p>
-          <a:p>
-            <a:pPr marL="0" indent="0">
-              <a:buNone/>
-            </a:pPr>
-            <a:endParaRPr kumimoji="1" lang="en-US" altLang="ja-JP" dirty="0"/>
-          </a:p>
-          <a:p>
-            <a:pPr marL="0" indent="0">
-              <a:buNone/>
-            </a:pPr>
-            <a:r>
-              <a:rPr lang="ja-JP" altLang="en-US" dirty="0" smtClean="0"/>
-              <a:t>・後続タスクへの影響</a:t>
-            </a:r>
-            <a:endParaRPr lang="en-US" altLang="ja-JP" dirty="0" smtClean="0"/>
-          </a:p>
-          <a:p>
-            <a:pPr marL="0" indent="0">
-              <a:buNone/>
-            </a:pPr>
-            <a:r>
-              <a:rPr kumimoji="1" lang="ja-JP" altLang="en-US" dirty="0"/>
-              <a:t>　</a:t>
-            </a:r>
-            <a:r>
-              <a:rPr kumimoji="1" lang="ja-JP" altLang="en-US" dirty="0" smtClean="0"/>
-              <a:t>他メンバーへの</a:t>
-            </a:r>
-            <a:r>
-              <a:rPr kumimoji="1" lang="en-US" altLang="ja-JP" dirty="0" err="1" smtClean="0"/>
-              <a:t>NeDB</a:t>
-            </a:r>
-            <a:r>
-              <a:rPr kumimoji="1" lang="ja-JP" altLang="en-US" dirty="0" smtClean="0"/>
-              <a:t>の学習</a:t>
-            </a:r>
-            <a:endParaRPr kumimoji="1" lang="en-US" altLang="ja-JP" dirty="0" smtClean="0"/>
+              <a:t>検索チームの意見を聴収</a:t>
+            </a:r>
+            <a:endParaRPr kumimoji="1" lang="ja-JP" altLang="en-US" dirty="0"/>
           </a:p>
         </p:txBody>
       </p:sp>
@@ -3347,266 +3443,6 @@
           <a:p>
             <a:r>
               <a:rPr lang="ja-JP" altLang="en-US" dirty="0" smtClean="0"/>
-              <a:t>データ</a:t>
-            </a:r>
-            <a:r>
-              <a:rPr lang="ja-JP" altLang="en-US" dirty="0"/>
-              <a:t>モデル</a:t>
-            </a:r>
-            <a:r>
-              <a:rPr lang="ja-JP" altLang="en-US" dirty="0" smtClean="0"/>
-              <a:t>の検討</a:t>
-            </a:r>
-            <a:endParaRPr kumimoji="1" lang="ja-JP" altLang="en-US" dirty="0"/>
-          </a:p>
-        </p:txBody>
-      </p:sp>
-      <p:sp>
-        <p:nvSpPr>
-          <p:cNvPr id="6" name="コンテンツ プレースホルダー 5"/>
-          <p:cNvSpPr>
-            <a:spLocks noGrp="1"/>
-          </p:cNvSpPr>
-          <p:nvPr>
-            <p:ph idx="1"/>
-          </p:nvPr>
-        </p:nvSpPr>
-        <p:spPr/>
-        <p:txBody>
-          <a:bodyPr/>
-          <a:lstStyle/>
-          <a:p>
-            <a:pPr marL="0" indent="0">
-              <a:buNone/>
-            </a:pPr>
-            <a:r>
-              <a:rPr kumimoji="1" lang="ja-JP" altLang="en-US" dirty="0" smtClean="0"/>
-              <a:t>・結論</a:t>
-            </a:r>
-            <a:endParaRPr kumimoji="1" lang="en-US" altLang="ja-JP" dirty="0" smtClean="0"/>
-          </a:p>
-          <a:p>
-            <a:pPr marL="0" indent="0">
-              <a:buNone/>
-            </a:pPr>
-            <a:r>
-              <a:rPr lang="ja-JP" altLang="en-US" dirty="0"/>
-              <a:t>　</a:t>
-            </a:r>
-            <a:r>
-              <a:rPr lang="ja-JP" altLang="en-US" dirty="0" smtClean="0"/>
-              <a:t>他メンバーへの意見を聴取</a:t>
-            </a:r>
-            <a:endParaRPr lang="en-US" altLang="ja-JP" dirty="0" smtClean="0"/>
-          </a:p>
-          <a:p>
-            <a:pPr marL="0" indent="0">
-              <a:buNone/>
-            </a:pPr>
-            <a:endParaRPr kumimoji="1" lang="en-US" altLang="ja-JP" dirty="0"/>
-          </a:p>
-          <a:p>
-            <a:pPr marL="0" indent="0">
-              <a:buNone/>
-            </a:pPr>
-            <a:r>
-              <a:rPr lang="ja-JP" altLang="en-US" dirty="0" smtClean="0"/>
-              <a:t>・タスク</a:t>
-            </a:r>
-            <a:endParaRPr lang="en-US" altLang="ja-JP" dirty="0" smtClean="0"/>
-          </a:p>
-          <a:p>
-            <a:pPr marL="0" indent="0">
-              <a:buNone/>
-            </a:pPr>
-            <a:r>
-              <a:rPr kumimoji="1" lang="ja-JP" altLang="en-US" dirty="0"/>
-              <a:t>　</a:t>
-            </a:r>
-            <a:r>
-              <a:rPr kumimoji="1" lang="ja-JP" altLang="en-US" dirty="0" smtClean="0"/>
-              <a:t>着手済</a:t>
-            </a:r>
-            <a:endParaRPr lang="en-US" altLang="ja-JP" dirty="0" smtClean="0"/>
-          </a:p>
-          <a:p>
-            <a:pPr marL="0" indent="0">
-              <a:buNone/>
-            </a:pPr>
-            <a:endParaRPr kumimoji="1" lang="en-US" altLang="ja-JP" dirty="0"/>
-          </a:p>
-          <a:p>
-            <a:pPr marL="0" indent="0">
-              <a:buNone/>
-            </a:pPr>
-            <a:r>
-              <a:rPr lang="ja-JP" altLang="en-US" dirty="0" smtClean="0"/>
-              <a:t>・後続タスクへの影響</a:t>
-            </a:r>
-            <a:endParaRPr lang="en-US" altLang="ja-JP" dirty="0" smtClean="0"/>
-          </a:p>
-          <a:p>
-            <a:pPr marL="0" indent="0">
-              <a:buNone/>
-            </a:pPr>
-            <a:r>
-              <a:rPr kumimoji="1" lang="ja-JP" altLang="en-US" dirty="0"/>
-              <a:t>　</a:t>
-            </a:r>
-            <a:r>
-              <a:rPr kumimoji="1" lang="ja-JP" altLang="en-US" dirty="0" smtClean="0"/>
-              <a:t>データオブジェクトなど機能への影響大</a:t>
-            </a:r>
-            <a:endParaRPr kumimoji="1" lang="en-US" altLang="ja-JP" dirty="0" smtClean="0"/>
-          </a:p>
-        </p:txBody>
-      </p:sp>
-    </p:spTree>
-    <p:extLst>
-      <p:ext uri="{BB962C8B-B14F-4D97-AF65-F5344CB8AC3E}">
-        <p14:creationId xmlns:p14="http://schemas.microsoft.com/office/powerpoint/2010/main" val="1333645713"/>
-      </p:ext>
-    </p:extLst>
-  </p:cSld>
-  <p:clrMapOvr>
-    <a:masterClrMapping/>
-  </p:clrMapOvr>
-</p:sld>
-</file>
-
-<file path=ppt/slides/slide5.xml><?xml version="1.0" encoding="utf-8"?>
-<p:sld xmlns:a="http://schemas.openxmlformats.org/drawingml/2006/main" xmlns:r="http://schemas.openxmlformats.org/officeDocument/2006/relationships" xmlns:p="http://schemas.openxmlformats.org/presentationml/2006/main">
-  <p:cSld>
-    <p:spTree>
-      <p:nvGrpSpPr>
-        <p:cNvPr id="1" name=""/>
-        <p:cNvGrpSpPr/>
-        <p:nvPr/>
-      </p:nvGrpSpPr>
-      <p:grpSpPr>
-        <a:xfrm>
-          <a:off x="0" y="0"/>
-          <a:ext cx="0" cy="0"/>
-          <a:chOff x="0" y="0"/>
-          <a:chExt cx="0" cy="0"/>
-        </a:xfrm>
-      </p:grpSpPr>
-      <p:sp>
-        <p:nvSpPr>
-          <p:cNvPr id="2" name="タイトル 1"/>
-          <p:cNvSpPr>
-            <a:spLocks noGrp="1"/>
-          </p:cNvSpPr>
-          <p:nvPr>
-            <p:ph type="title"/>
-          </p:nvPr>
-        </p:nvSpPr>
-        <p:spPr/>
-        <p:txBody>
-          <a:bodyPr/>
-          <a:lstStyle/>
-          <a:p>
-            <a:r>
-              <a:rPr lang="ja-JP" altLang="en-US" dirty="0" smtClean="0"/>
-              <a:t>日記登録機能の作成</a:t>
-            </a:r>
-            <a:endParaRPr kumimoji="1" lang="ja-JP" altLang="en-US" dirty="0"/>
-          </a:p>
-        </p:txBody>
-      </p:sp>
-      <p:sp>
-        <p:nvSpPr>
-          <p:cNvPr id="6" name="コンテンツ プレースホルダー 5"/>
-          <p:cNvSpPr>
-            <a:spLocks noGrp="1"/>
-          </p:cNvSpPr>
-          <p:nvPr>
-            <p:ph idx="1"/>
-          </p:nvPr>
-        </p:nvSpPr>
-        <p:spPr/>
-        <p:txBody>
-          <a:bodyPr/>
-          <a:lstStyle/>
-          <a:p>
-            <a:pPr marL="0" indent="0">
-              <a:buNone/>
-            </a:pPr>
-            <a:r>
-              <a:rPr lang="ja-JP" altLang="en-US" dirty="0" smtClean="0"/>
-              <a:t>・タスク</a:t>
-            </a:r>
-            <a:endParaRPr lang="en-US" altLang="ja-JP" dirty="0" smtClean="0"/>
-          </a:p>
-          <a:p>
-            <a:pPr marL="0" indent="0">
-              <a:buNone/>
-            </a:pPr>
-            <a:r>
-              <a:rPr kumimoji="1" lang="ja-JP" altLang="en-US" dirty="0"/>
-              <a:t>　</a:t>
-            </a:r>
-            <a:r>
-              <a:rPr kumimoji="1" lang="ja-JP" altLang="en-US" dirty="0" smtClean="0"/>
-              <a:t>未着手</a:t>
-            </a:r>
-            <a:endParaRPr lang="en-US" altLang="ja-JP" dirty="0" smtClean="0"/>
-          </a:p>
-          <a:p>
-            <a:pPr marL="0" indent="0">
-              <a:buNone/>
-            </a:pPr>
-            <a:endParaRPr lang="en-US" altLang="ja-JP" dirty="0" smtClean="0"/>
-          </a:p>
-        </p:txBody>
-      </p:sp>
-    </p:spTree>
-    <p:extLst>
-      <p:ext uri="{BB962C8B-B14F-4D97-AF65-F5344CB8AC3E}">
-        <p14:creationId xmlns:p14="http://schemas.microsoft.com/office/powerpoint/2010/main" val="3400929425"/>
-      </p:ext>
-    </p:extLst>
-  </p:cSld>
-  <p:clrMapOvr>
-    <a:masterClrMapping/>
-  </p:clrMapOvr>
-</p:sld>
-</file>
-
-<file path=ppt/slides/slide6.xml><?xml version="1.0" encoding="utf-8"?>
-<p:sld xmlns:a="http://schemas.openxmlformats.org/drawingml/2006/main" xmlns:r="http://schemas.openxmlformats.org/officeDocument/2006/relationships" xmlns:p="http://schemas.openxmlformats.org/presentationml/2006/main">
-  <p:cSld>
-    <p:spTree>
-      <p:nvGrpSpPr>
-        <p:cNvPr id="1" name=""/>
-        <p:cNvGrpSpPr/>
-        <p:nvPr/>
-      </p:nvGrpSpPr>
-      <p:grpSpPr>
-        <a:xfrm>
-          <a:off x="0" y="0"/>
-          <a:ext cx="0" cy="0"/>
-          <a:chOff x="0" y="0"/>
-          <a:chExt cx="0" cy="0"/>
-        </a:xfrm>
-      </p:grpSpPr>
-      <p:sp>
-        <p:nvSpPr>
-          <p:cNvPr id="2" name="タイトル 1"/>
-          <p:cNvSpPr>
-            <a:spLocks noGrp="1"/>
-          </p:cNvSpPr>
-          <p:nvPr>
-            <p:ph type="title"/>
-          </p:nvPr>
-        </p:nvSpPr>
-        <p:spPr/>
-        <p:txBody>
-          <a:bodyPr/>
-          <a:lstStyle/>
-          <a:p>
-            <a:r>
-              <a:rPr lang="ja-JP" altLang="en-US" dirty="0" smtClean="0"/>
               <a:t>データモデル（</a:t>
             </a:r>
             <a:r>
@@ -3683,7 +3519,11 @@
             </a:r>
             <a:r>
               <a:rPr lang="en-US" altLang="ja-JP" sz="2800" dirty="0" smtClean="0"/>
-              <a:t>: ’20180809’,</a:t>
+              <a:t>: ’20180809</a:t>
+            </a:r>
+            <a:r>
+              <a:rPr lang="en-US" altLang="ja-JP" sz="2800" dirty="0" smtClean="0"/>
+              <a:t>’,</a:t>
             </a:r>
           </a:p>
           <a:p>
@@ -3696,24 +3536,25 @@
             </a:r>
             <a:r>
               <a:rPr lang="en-US" altLang="ja-JP" sz="2800" dirty="0" smtClean="0"/>
-              <a:t>   title: ’</a:t>
-            </a:r>
-            <a:r>
-              <a:rPr lang="ja-JP" altLang="en-US" sz="2800" dirty="0" smtClean="0"/>
-              <a:t>タイトル</a:t>
-            </a:r>
-            <a:r>
-              <a:rPr lang="en-US" altLang="ja-JP" sz="2800" dirty="0" smtClean="0"/>
-              <a:t>’,</a:t>
-            </a:r>
+              <a:t>   day:’0’,</a:t>
+            </a:r>
+            <a:endParaRPr lang="en-US" altLang="ja-JP" sz="2800" dirty="0" smtClean="0"/>
           </a:p>
           <a:p>
             <a:pPr marL="0" indent="0">
               <a:buNone/>
             </a:pPr>
             <a:r>
+              <a:rPr lang="ja-JP" altLang="en-US" sz="2800" dirty="0" smtClean="0"/>
+              <a:t>　　</a:t>
+            </a:r>
+            <a:r>
               <a:rPr lang="en-US" altLang="ja-JP" sz="2800" dirty="0" smtClean="0"/>
-              <a:t>    sentence: ‘</a:t>
+              <a:t>sentence</a:t>
+            </a:r>
+            <a:r>
+              <a:rPr lang="en-US" altLang="ja-JP" sz="2800" dirty="0" smtClean="0"/>
+              <a:t>: ‘</a:t>
             </a:r>
             <a:r>
               <a:rPr lang="ja-JP" altLang="en-US" sz="2800" dirty="0" smtClean="0"/>
@@ -3762,7 +3603,11 @@
             </a:pPr>
             <a:r>
               <a:rPr lang="ja-JP" altLang="en-US" dirty="0" smtClean="0"/>
-              <a:t>最低限の要素を抽出したもの。</a:t>
+              <a:t>最低限の要素を抽出したもの</a:t>
+            </a:r>
+            <a:r>
+              <a:rPr lang="ja-JP" altLang="en-US" dirty="0" smtClean="0"/>
+              <a:t>。</a:t>
             </a:r>
             <a:endParaRPr lang="en-US" altLang="ja-JP" dirty="0" smtClean="0"/>
           </a:p>
@@ -3771,21 +3616,336 @@
               <a:buNone/>
             </a:pPr>
             <a:r>
-              <a:rPr kumimoji="1" lang="ja-JP" altLang="en-US" dirty="0" smtClean="0"/>
-              <a:t>画面</a:t>
-            </a:r>
-            <a:r>
-              <a:rPr kumimoji="1" lang="ja-JP" altLang="en-US" dirty="0"/>
-              <a:t>等</a:t>
-            </a:r>
-            <a:r>
-              <a:rPr kumimoji="1" lang="ja-JP" altLang="en-US" dirty="0" smtClean="0"/>
-              <a:t>を見て、項目を追加。</a:t>
-            </a:r>
-            <a:endParaRPr kumimoji="1" lang="ja-JP" altLang="en-US" dirty="0"/>
-          </a:p>
-        </p:txBody>
-      </p:sp>
+              <a:rPr lang="en-US" altLang="ja-JP" dirty="0" err="1" smtClean="0"/>
+              <a:t>NeDB</a:t>
+            </a:r>
+            <a:r>
+              <a:rPr lang="ja-JP" altLang="en-US" dirty="0" smtClean="0"/>
+              <a:t>では</a:t>
+            </a:r>
+            <a:r>
+              <a:rPr lang="en-US" altLang="ja-JP" dirty="0" err="1" smtClean="0"/>
+              <a:t>Json</a:t>
+            </a:r>
+            <a:r>
+              <a:rPr lang="ja-JP" altLang="en-US" dirty="0" smtClean="0"/>
+              <a:t>ベースでデータを管理する。</a:t>
+            </a:r>
+            <a:endParaRPr lang="en-US" altLang="ja-JP" dirty="0" smtClean="0"/>
+          </a:p>
+        </p:txBody>
+      </p:sp>
+      <p:graphicFrame>
+        <p:nvGraphicFramePr>
+          <p:cNvPr id="5" name="表 4"/>
+          <p:cNvGraphicFramePr>
+            <a:graphicFrameLocks noGrp="1"/>
+          </p:cNvGraphicFramePr>
+          <p:nvPr>
+            <p:extLst>
+              <p:ext uri="{D42A27DB-BD31-4B8C-83A1-F6EECF244321}">
+                <p14:modId xmlns:p14="http://schemas.microsoft.com/office/powerpoint/2010/main" val="3271259137"/>
+              </p:ext>
+            </p:extLst>
+          </p:nvPr>
+        </p:nvGraphicFramePr>
+        <p:xfrm>
+          <a:off x="6521803" y="2538484"/>
+          <a:ext cx="5289198" cy="1854200"/>
+        </p:xfrm>
+        <a:graphic>
+          <a:graphicData uri="http://schemas.openxmlformats.org/drawingml/2006/table">
+            <a:tbl>
+              <a:tblPr firstRow="1" bandRow="1">
+                <a:tableStyleId>{7DF18680-E054-41AD-8BC1-D1AEF772440D}</a:tableStyleId>
+              </a:tblPr>
+              <a:tblGrid>
+                <a:gridCol w="906792"/>
+                <a:gridCol w="1460802"/>
+                <a:gridCol w="1460802"/>
+                <a:gridCol w="1460802"/>
+              </a:tblGrid>
+              <a:tr h="370840">
+                <a:tc>
+                  <a:txBody>
+                    <a:bodyPr/>
+                    <a:lstStyle/>
+                    <a:p>
+                      <a:r>
+                        <a:rPr kumimoji="1" lang="en-US" altLang="ja-JP" dirty="0" smtClean="0"/>
+                        <a:t>No</a:t>
+                      </a:r>
+                    </a:p>
+                  </a:txBody>
+                  <a:tcPr/>
+                </a:tc>
+                <a:tc>
+                  <a:txBody>
+                    <a:bodyPr/>
+                    <a:lstStyle/>
+                    <a:p>
+                      <a:r>
+                        <a:rPr kumimoji="1" lang="ja-JP" altLang="en-US" dirty="0" smtClean="0"/>
+                        <a:t>項目</a:t>
+                      </a:r>
+                      <a:endParaRPr kumimoji="1" lang="ja-JP" altLang="en-US" dirty="0"/>
+                    </a:p>
+                  </a:txBody>
+                  <a:tcPr/>
+                </a:tc>
+                <a:tc>
+                  <a:txBody>
+                    <a:bodyPr/>
+                    <a:lstStyle/>
+                    <a:p>
+                      <a:r>
+                        <a:rPr kumimoji="1" lang="ja-JP" altLang="en-US" dirty="0" smtClean="0"/>
+                        <a:t>意味</a:t>
+                      </a:r>
+                      <a:endParaRPr kumimoji="1" lang="ja-JP" altLang="en-US" dirty="0"/>
+                    </a:p>
+                  </a:txBody>
+                  <a:tcPr/>
+                </a:tc>
+                <a:tc>
+                  <a:txBody>
+                    <a:bodyPr/>
+                    <a:lstStyle/>
+                    <a:p>
+                      <a:r>
+                        <a:rPr kumimoji="1" lang="ja-JP" altLang="en-US" dirty="0" smtClean="0"/>
+                        <a:t>備考</a:t>
+                      </a:r>
+                      <a:endParaRPr kumimoji="1" lang="ja-JP" altLang="en-US" dirty="0"/>
+                    </a:p>
+                  </a:txBody>
+                  <a:tcPr/>
+                </a:tc>
+              </a:tr>
+              <a:tr h="370840">
+                <a:tc>
+                  <a:txBody>
+                    <a:bodyPr/>
+                    <a:lstStyle/>
+                    <a:p>
+                      <a:r>
+                        <a:rPr kumimoji="1" lang="en-US" altLang="ja-JP" dirty="0" smtClean="0"/>
+                        <a:t>1</a:t>
+                      </a:r>
+                      <a:endParaRPr kumimoji="1" lang="ja-JP" altLang="en-US" dirty="0"/>
+                    </a:p>
+                  </a:txBody>
+                  <a:tcPr/>
+                </a:tc>
+                <a:tc>
+                  <a:txBody>
+                    <a:bodyPr/>
+                    <a:lstStyle/>
+                    <a:p>
+                      <a:r>
+                        <a:rPr kumimoji="1" lang="en-US" altLang="ja-JP" dirty="0" smtClean="0"/>
+                        <a:t>id</a:t>
+                      </a:r>
+                      <a:endParaRPr kumimoji="1" lang="ja-JP" altLang="en-US" dirty="0"/>
+                    </a:p>
+                  </a:txBody>
+                  <a:tcPr/>
+                </a:tc>
+                <a:tc>
+                  <a:txBody>
+                    <a:bodyPr/>
+                    <a:lstStyle/>
+                    <a:p>
+                      <a:r>
+                        <a:rPr kumimoji="1" lang="ja-JP" altLang="en-US" dirty="0" smtClean="0"/>
+                        <a:t>ユニークキー</a:t>
+                      </a:r>
+                      <a:endParaRPr kumimoji="1" lang="ja-JP" altLang="en-US" dirty="0"/>
+                    </a:p>
+                  </a:txBody>
+                  <a:tcPr/>
+                </a:tc>
+                <a:tc>
+                  <a:txBody>
+                    <a:bodyPr/>
+                    <a:lstStyle/>
+                    <a:p>
+                      <a:r>
+                        <a:rPr kumimoji="1" lang="ja-JP" altLang="en-US" dirty="0" smtClean="0"/>
+                        <a:t>自動付与</a:t>
+                      </a:r>
+                      <a:endParaRPr kumimoji="1" lang="ja-JP" altLang="en-US" dirty="0"/>
+                    </a:p>
+                  </a:txBody>
+                  <a:tcPr/>
+                </a:tc>
+              </a:tr>
+              <a:tr h="370840">
+                <a:tc>
+                  <a:txBody>
+                    <a:bodyPr/>
+                    <a:lstStyle/>
+                    <a:p>
+                      <a:r>
+                        <a:rPr kumimoji="1" lang="en-US" altLang="ja-JP" dirty="0" smtClean="0"/>
+                        <a:t>2</a:t>
+                      </a:r>
+                      <a:endParaRPr kumimoji="1" lang="ja-JP" altLang="en-US" dirty="0"/>
+                    </a:p>
+                  </a:txBody>
+                  <a:tcPr/>
+                </a:tc>
+                <a:tc>
+                  <a:txBody>
+                    <a:bodyPr/>
+                    <a:lstStyle/>
+                    <a:p>
+                      <a:r>
+                        <a:rPr kumimoji="1" lang="en-US" altLang="ja-JP" dirty="0" err="1" smtClean="0"/>
+                        <a:t>write_on</a:t>
+                      </a:r>
+                      <a:endParaRPr kumimoji="1" lang="ja-JP" altLang="en-US" dirty="0"/>
+                    </a:p>
+                  </a:txBody>
+                  <a:tcPr/>
+                </a:tc>
+                <a:tc>
+                  <a:txBody>
+                    <a:bodyPr/>
+                    <a:lstStyle/>
+                    <a:p>
+                      <a:r>
+                        <a:rPr kumimoji="1" lang="ja-JP" altLang="en-US" dirty="0" smtClean="0"/>
+                        <a:t>日付</a:t>
+                      </a:r>
+                      <a:endParaRPr kumimoji="1" lang="ja-JP" altLang="en-US" dirty="0"/>
+                    </a:p>
+                  </a:txBody>
+                  <a:tcPr/>
+                </a:tc>
+                <a:tc>
+                  <a:txBody>
+                    <a:bodyPr/>
+                    <a:lstStyle/>
+                    <a:p>
+                      <a:endParaRPr kumimoji="1" lang="ja-JP" altLang="en-US" dirty="0"/>
+                    </a:p>
+                  </a:txBody>
+                  <a:tcPr/>
+                </a:tc>
+              </a:tr>
+              <a:tr h="370840">
+                <a:tc>
+                  <a:txBody>
+                    <a:bodyPr/>
+                    <a:lstStyle/>
+                    <a:p>
+                      <a:r>
+                        <a:rPr kumimoji="1" lang="en-US" altLang="ja-JP" dirty="0" smtClean="0"/>
+                        <a:t>3</a:t>
+                      </a:r>
+                      <a:endParaRPr kumimoji="1" lang="ja-JP" altLang="en-US" dirty="0"/>
+                    </a:p>
+                  </a:txBody>
+                  <a:tcPr/>
+                </a:tc>
+                <a:tc>
+                  <a:txBody>
+                    <a:bodyPr/>
+                    <a:lstStyle/>
+                    <a:p>
+                      <a:r>
+                        <a:rPr kumimoji="1" lang="en-US" altLang="ja-JP" dirty="0" smtClean="0"/>
+                        <a:t>day</a:t>
+                      </a:r>
+                      <a:endParaRPr kumimoji="1" lang="ja-JP" altLang="en-US" dirty="0"/>
+                    </a:p>
+                  </a:txBody>
+                  <a:tcPr/>
+                </a:tc>
+                <a:tc>
+                  <a:txBody>
+                    <a:bodyPr/>
+                    <a:lstStyle/>
+                    <a:p>
+                      <a:r>
+                        <a:rPr kumimoji="1" lang="ja-JP" altLang="en-US" dirty="0" smtClean="0"/>
+                        <a:t>曜日</a:t>
+                      </a:r>
+                      <a:endParaRPr kumimoji="1" lang="ja-JP" altLang="en-US" dirty="0"/>
+                    </a:p>
+                  </a:txBody>
+                  <a:tcPr/>
+                </a:tc>
+                <a:tc>
+                  <a:txBody>
+                    <a:bodyPr/>
+                    <a:lstStyle/>
+                    <a:p>
+                      <a:endParaRPr kumimoji="1" lang="ja-JP" altLang="en-US" dirty="0"/>
+                    </a:p>
+                  </a:txBody>
+                  <a:tcPr/>
+                </a:tc>
+              </a:tr>
+              <a:tr h="370840">
+                <a:tc>
+                  <a:txBody>
+                    <a:bodyPr/>
+                    <a:lstStyle/>
+                    <a:p>
+                      <a:r>
+                        <a:rPr kumimoji="1" lang="en-US" altLang="ja-JP" dirty="0" smtClean="0"/>
+                        <a:t>4</a:t>
+                      </a:r>
+                      <a:endParaRPr kumimoji="1" lang="ja-JP" altLang="en-US" dirty="0"/>
+                    </a:p>
+                  </a:txBody>
+                  <a:tcPr/>
+                </a:tc>
+                <a:tc>
+                  <a:txBody>
+                    <a:bodyPr/>
+                    <a:lstStyle/>
+                    <a:p>
+                      <a:r>
+                        <a:rPr lang="en-US" altLang="ja-JP" sz="1800" dirty="0" smtClean="0"/>
+                        <a:t>sentence</a:t>
+                      </a:r>
+                      <a:endParaRPr kumimoji="1" lang="ja-JP" altLang="en-US" dirty="0"/>
+                    </a:p>
+                  </a:txBody>
+                  <a:tcPr/>
+                </a:tc>
+                <a:tc>
+                  <a:txBody>
+                    <a:bodyPr/>
+                    <a:lstStyle/>
+                    <a:p>
+                      <a:r>
+                        <a:rPr kumimoji="1" lang="ja-JP" altLang="en-US" dirty="0" smtClean="0"/>
+                        <a:t>文章</a:t>
+                      </a:r>
+                      <a:endParaRPr kumimoji="1" lang="ja-JP" altLang="en-US" dirty="0"/>
+                    </a:p>
+                  </a:txBody>
+                  <a:tcPr/>
+                </a:tc>
+                <a:tc>
+                  <a:txBody>
+                    <a:bodyPr/>
+                    <a:lstStyle/>
+                    <a:p>
+                      <a:endParaRPr kumimoji="1" lang="ja-JP" altLang="en-US" dirty="0"/>
+                    </a:p>
+                  </a:txBody>
+                  <a:tcPr/>
+                </a:tc>
+              </a:tr>
+            </a:tbl>
+          </a:graphicData>
+        </a:graphic>
+      </p:graphicFrame>
     </p:spTree>
   </p:cSld>
   <p:clrMapOvr>
